--- a/продажи/HotelBot.pptx
+++ b/продажи/HotelBot.pptx
@@ -4441,8 +4441,8 @@
         </p:nvSpPr>
         <p:spPr>
           <a:xfrm>
-            <a:off x="3095625" y="2286000"/>
-            <a:ext cx="5362575" cy="3079750"/>
+            <a:off x="2945423" y="2286000"/>
+            <a:ext cx="5512777" cy="3079750"/>
           </a:xfrm>
         </p:spPr>
         <p:txBody>
@@ -4480,6 +4480,59 @@
                 <a:sym typeface="Montserrat" charset="-52"/>
               </a:rPr>
               <a:t>Bot</a:t>
+            </a:r>
+            <a:r>
+              <a:rPr lang="ru-RU" altLang="ru-RU" b="1" dirty="0" smtClean="0">
+                <a:solidFill>
+                  <a:srgbClr val="454F5B"/>
+                </a:solidFill>
+                <a:latin typeface="Montserrat" charset="-52"/>
+                <a:cs typeface="Arial" panose="020B0604020202020204" pitchFamily="34" charset="0"/>
+                <a:sym typeface="Montserrat" charset="-52"/>
+              </a:rPr>
+              <a:t>- система автоматизации </a:t>
+            </a:r>
+            <a:br>
+              <a:rPr lang="ru-RU" altLang="ru-RU" b="1" dirty="0" smtClean="0">
+                <a:solidFill>
+                  <a:srgbClr val="454F5B"/>
+                </a:solidFill>
+                <a:latin typeface="Montserrat" charset="-52"/>
+                <a:cs typeface="Arial" panose="020B0604020202020204" pitchFamily="34" charset="0"/>
+                <a:sym typeface="Montserrat" charset="-52"/>
+              </a:rPr>
+            </a:br>
+            <a:r>
+              <a:rPr lang="ru-RU" altLang="ru-RU" b="1" dirty="0" smtClean="0">
+                <a:solidFill>
+                  <a:srgbClr val="454F5B"/>
+                </a:solidFill>
+                <a:latin typeface="Montserrat" charset="-52"/>
+                <a:cs typeface="Arial" panose="020B0604020202020204" pitchFamily="34" charset="0"/>
+                <a:sym typeface="Montserrat" charset="-52"/>
+              </a:rPr>
+              <a:t>гостиничного </a:t>
+            </a:r>
+            <a:br>
+              <a:rPr lang="ru-RU" altLang="ru-RU" b="1" dirty="0" smtClean="0">
+                <a:solidFill>
+                  <a:srgbClr val="454F5B"/>
+                </a:solidFill>
+                <a:latin typeface="Montserrat" charset="-52"/>
+                <a:cs typeface="Arial" panose="020B0604020202020204" pitchFamily="34" charset="0"/>
+                <a:sym typeface="Montserrat" charset="-52"/>
+              </a:rPr>
+            </a:br>
+            <a:r>
+              <a:rPr lang="ru-RU" altLang="ru-RU" b="1" dirty="0" smtClean="0">
+                <a:solidFill>
+                  <a:srgbClr val="454F5B"/>
+                </a:solidFill>
+                <a:latin typeface="Montserrat" charset="-52"/>
+                <a:cs typeface="Arial" panose="020B0604020202020204" pitchFamily="34" charset="0"/>
+                <a:sym typeface="Montserrat" charset="-52"/>
+              </a:rPr>
+              <a:t>бизнеса</a:t>
             </a:r>
             <a:r>
               <a:rPr lang="ru-RU" altLang="ru-RU" dirty="0" smtClean="0">
@@ -5309,14 +5362,6 @@
               </a:rPr>
               <a:t>Большие возможности</a:t>
             </a:r>
-            <a:endParaRPr lang="ru-RU" altLang="ru-RU" sz="3000" b="1" dirty="0" smtClean="0">
-              <a:solidFill>
-                <a:srgbClr val="454F5B"/>
-              </a:solidFill>
-              <a:latin typeface="Montserrat" charset="-52"/>
-              <a:cs typeface="Arial" panose="020B0604020202020204" pitchFamily="34" charset="0"/>
-              <a:sym typeface="Montserrat" charset="-52"/>
-            </a:endParaRPr>
           </a:p>
         </p:txBody>
       </p:sp>
@@ -6301,14 +6346,6 @@
               </a:rPr>
               <a:t>Мультиязычность</a:t>
             </a:r>
-            <a:endParaRPr lang="ru-RU" altLang="ru-RU" sz="3000" b="1" dirty="0" smtClean="0">
-              <a:solidFill>
-                <a:srgbClr val="454F5B"/>
-              </a:solidFill>
-              <a:latin typeface="Montserrat" charset="-52"/>
-              <a:cs typeface="Arial" panose="020B0604020202020204" pitchFamily="34" charset="0"/>
-              <a:sym typeface="Montserrat" charset="-52"/>
-            </a:endParaRPr>
           </a:p>
         </p:txBody>
       </p:sp>
